--- a/SlideLapTrinhWebCoBan.pptx
+++ b/SlideLapTrinhWebCoBan.pptx
@@ -324,7 +324,7 @@
             <a:fld id="{1D8BD707-D9CF-40AE-B4C6-C98DA3205C09}" type="datetimeFigureOut">
               <a:rPr lang="en-US" smtClean="0"/>
               <a:pPr/>
-              <a:t>1/14/2026</a:t>
+              <a:t>1/15/2026</a:t>
             </a:fld>
             <a:endParaRPr lang="en-US"/>
           </a:p>
@@ -489,7 +489,7 @@
             <a:fld id="{1D8BD707-D9CF-40AE-B4C6-C98DA3205C09}" type="datetimeFigureOut">
               <a:rPr lang="en-US" smtClean="0"/>
               <a:pPr/>
-              <a:t>1/14/2026</a:t>
+              <a:t>1/15/2026</a:t>
             </a:fld>
             <a:endParaRPr lang="en-US"/>
           </a:p>
@@ -664,7 +664,7 @@
             <a:fld id="{1D8BD707-D9CF-40AE-B4C6-C98DA3205C09}" type="datetimeFigureOut">
               <a:rPr lang="en-US" smtClean="0"/>
               <a:pPr/>
-              <a:t>1/14/2026</a:t>
+              <a:t>1/15/2026</a:t>
             </a:fld>
             <a:endParaRPr lang="en-US"/>
           </a:p>
@@ -829,7 +829,7 @@
             <a:fld id="{1D8BD707-D9CF-40AE-B4C6-C98DA3205C09}" type="datetimeFigureOut">
               <a:rPr lang="en-US" smtClean="0"/>
               <a:pPr/>
-              <a:t>1/14/2026</a:t>
+              <a:t>1/15/2026</a:t>
             </a:fld>
             <a:endParaRPr lang="en-US"/>
           </a:p>
@@ -1071,7 +1071,7 @@
             <a:fld id="{1D8BD707-D9CF-40AE-B4C6-C98DA3205C09}" type="datetimeFigureOut">
               <a:rPr lang="en-US" smtClean="0"/>
               <a:pPr/>
-              <a:t>1/14/2026</a:t>
+              <a:t>1/15/2026</a:t>
             </a:fld>
             <a:endParaRPr lang="en-US"/>
           </a:p>
@@ -1353,7 +1353,7 @@
             <a:fld id="{1D8BD707-D9CF-40AE-B4C6-C98DA3205C09}" type="datetimeFigureOut">
               <a:rPr lang="en-US" smtClean="0"/>
               <a:pPr/>
-              <a:t>1/14/2026</a:t>
+              <a:t>1/15/2026</a:t>
             </a:fld>
             <a:endParaRPr lang="en-US"/>
           </a:p>
@@ -1769,7 +1769,7 @@
             <a:fld id="{1D8BD707-D9CF-40AE-B4C6-C98DA3205C09}" type="datetimeFigureOut">
               <a:rPr lang="en-US" smtClean="0"/>
               <a:pPr/>
-              <a:t>1/14/2026</a:t>
+              <a:t>1/15/2026</a:t>
             </a:fld>
             <a:endParaRPr lang="en-US"/>
           </a:p>
@@ -1883,7 +1883,7 @@
             <a:fld id="{1D8BD707-D9CF-40AE-B4C6-C98DA3205C09}" type="datetimeFigureOut">
               <a:rPr lang="en-US" smtClean="0"/>
               <a:pPr/>
-              <a:t>1/14/2026</a:t>
+              <a:t>1/15/2026</a:t>
             </a:fld>
             <a:endParaRPr lang="en-US"/>
           </a:p>
@@ -1975,7 +1975,7 @@
             <a:fld id="{1D8BD707-D9CF-40AE-B4C6-C98DA3205C09}" type="datetimeFigureOut">
               <a:rPr lang="en-US" smtClean="0"/>
               <a:pPr/>
-              <a:t>1/14/2026</a:t>
+              <a:t>1/15/2026</a:t>
             </a:fld>
             <a:endParaRPr lang="en-US"/>
           </a:p>
@@ -2247,7 +2247,7 @@
             <a:fld id="{1D8BD707-D9CF-40AE-B4C6-C98DA3205C09}" type="datetimeFigureOut">
               <a:rPr lang="en-US" smtClean="0"/>
               <a:pPr/>
-              <a:t>1/14/2026</a:t>
+              <a:t>1/15/2026</a:t>
             </a:fld>
             <a:endParaRPr lang="en-US"/>
           </a:p>
@@ -2496,7 +2496,7 @@
             <a:fld id="{1D8BD707-D9CF-40AE-B4C6-C98DA3205C09}" type="datetimeFigureOut">
               <a:rPr lang="en-US" smtClean="0"/>
               <a:pPr/>
-              <a:t>1/14/2026</a:t>
+              <a:t>1/15/2026</a:t>
             </a:fld>
             <a:endParaRPr lang="en-US"/>
           </a:p>
@@ -2704,7 +2704,7 @@
             <a:fld id="{1D8BD707-D9CF-40AE-B4C6-C98DA3205C09}" type="datetimeFigureOut">
               <a:rPr lang="en-US" smtClean="0"/>
               <a:pPr/>
-              <a:t>1/14/2026</a:t>
+              <a:t>1/15/2026</a:t>
             </a:fld>
             <a:endParaRPr lang="en-US"/>
           </a:p>
@@ -4431,7 +4431,7 @@
                 <a:cs typeface="Arial Bold"/>
                 <a:sym typeface="Arial Bold"/>
               </a:rPr>
-              <a:t>cơ</a:t>
+              <a:t>kiến</a:t>
             </a:r>
             <a:r>
               <a:rPr lang="en-US" sz="2500" b="1" dirty="0">
@@ -4455,10 +4455,10 @@
                 <a:cs typeface="Arial Bold"/>
                 <a:sym typeface="Arial Bold"/>
               </a:rPr>
-              <a:t>bản</a:t>
-            </a:r>
-            <a:r>
-              <a:rPr lang="en-US" sz="2500" b="1" dirty="0">
+              <a:t>thức</a:t>
+            </a:r>
+            <a:r>
+              <a:rPr lang="vi-VN" sz="2500" b="1" dirty="0">
                 <a:solidFill>
                   <a:srgbClr val="E5645E"/>
                 </a:solidFill>
@@ -4467,10 +4467,10 @@
                 <a:cs typeface="Arial Bold"/>
                 <a:sym typeface="Arial Bold"/>
               </a:rPr>
-              <a:t> </a:t>
-            </a:r>
-            <a:r>
-              <a:rPr lang="en-US" sz="2500" b="1" dirty="0" err="1">
+              <a:t> cơ bản</a:t>
+            </a:r>
+            <a:r>
+              <a:rPr lang="en-US" sz="2500" b="1" dirty="0">
                 <a:solidFill>
                   <a:srgbClr val="E5645E"/>
                 </a:solidFill>
@@ -4479,10 +4479,10 @@
                 <a:cs typeface="Arial Bold"/>
                 <a:sym typeface="Arial Bold"/>
               </a:rPr>
-              <a:t>kiến</a:t>
-            </a:r>
-            <a:r>
-              <a:rPr lang="en-US" sz="2500" b="1" dirty="0">
+              <a:t> </a:t>
+            </a:r>
+            <a:r>
+              <a:rPr lang="en-US" sz="2500" b="1" dirty="0" err="1">
                 <a:solidFill>
                   <a:srgbClr val="E5645E"/>
                 </a:solidFill>
@@ -4491,10 +4491,10 @@
                 <a:cs typeface="Arial Bold"/>
                 <a:sym typeface="Arial Bold"/>
               </a:rPr>
-              <a:t> </a:t>
-            </a:r>
-            <a:r>
-              <a:rPr lang="en-US" sz="2500" b="1" dirty="0" err="1">
+              <a:t>về</a:t>
+            </a:r>
+            <a:r>
+              <a:rPr lang="en-US" sz="2500" b="1" dirty="0">
                 <a:solidFill>
                   <a:srgbClr val="E5645E"/>
                 </a:solidFill>
@@ -4503,10 +4503,10 @@
                 <a:cs typeface="Arial Bold"/>
                 <a:sym typeface="Arial Bold"/>
               </a:rPr>
-              <a:t>thức</a:t>
-            </a:r>
-            <a:r>
-              <a:rPr lang="en-US" sz="2500" b="1" dirty="0">
+              <a:t> </a:t>
+            </a:r>
+            <a:r>
+              <a:rPr lang="en-US" sz="2500" b="1" dirty="0" err="1">
                 <a:solidFill>
                   <a:srgbClr val="E5645E"/>
                 </a:solidFill>
@@ -4515,10 +4515,10 @@
                 <a:cs typeface="Arial Bold"/>
                 <a:sym typeface="Arial Bold"/>
               </a:rPr>
-              <a:t> </a:t>
-            </a:r>
-            <a:r>
-              <a:rPr lang="en-US" sz="2500" b="1" dirty="0" err="1">
+              <a:t>lập</a:t>
+            </a:r>
+            <a:r>
+              <a:rPr lang="en-US" sz="2500" b="1" dirty="0">
                 <a:solidFill>
                   <a:srgbClr val="E5645E"/>
                 </a:solidFill>
@@ -4527,10 +4527,10 @@
                 <a:cs typeface="Arial Bold"/>
                 <a:sym typeface="Arial Bold"/>
               </a:rPr>
-              <a:t>về</a:t>
-            </a:r>
-            <a:r>
-              <a:rPr lang="en-US" sz="2500" b="1" dirty="0">
+              <a:t> </a:t>
+            </a:r>
+            <a:r>
+              <a:rPr lang="en-US" sz="2500" b="1" dirty="0" err="1">
                 <a:solidFill>
                   <a:srgbClr val="E5645E"/>
                 </a:solidFill>
@@ -4539,10 +4539,10 @@
                 <a:cs typeface="Arial Bold"/>
                 <a:sym typeface="Arial Bold"/>
               </a:rPr>
-              <a:t> </a:t>
-            </a:r>
-            <a:r>
-              <a:rPr lang="en-US" sz="2500" b="1" dirty="0" err="1">
+              <a:t>trình</a:t>
+            </a:r>
+            <a:r>
+              <a:rPr lang="en-US" sz="2500" b="1" dirty="0">
                 <a:solidFill>
                   <a:srgbClr val="E5645E"/>
                 </a:solidFill>
@@ -4551,10 +4551,10 @@
                 <a:cs typeface="Arial Bold"/>
                 <a:sym typeface="Arial Bold"/>
               </a:rPr>
-              <a:t>lập</a:t>
-            </a:r>
-            <a:r>
-              <a:rPr lang="en-US" sz="2500" b="1" dirty="0">
+              <a:t> </a:t>
+            </a:r>
+            <a:r>
+              <a:rPr lang="vi-VN" sz="2500" b="1" dirty="0">
                 <a:solidFill>
                   <a:srgbClr val="E5645E"/>
                 </a:solidFill>
@@ -4563,32 +4563,17 @@
                 <a:cs typeface="Arial Bold"/>
                 <a:sym typeface="Arial Bold"/>
               </a:rPr>
-              <a:t> </a:t>
-            </a:r>
-            <a:r>
-              <a:rPr lang="en-US" sz="2500" b="1" dirty="0" err="1">
-                <a:solidFill>
-                  <a:srgbClr val="E5645E"/>
-                </a:solidFill>
-                <a:latin typeface="Arial Bold"/>
-                <a:ea typeface="Arial Bold"/>
-                <a:cs typeface="Arial Bold"/>
-                <a:sym typeface="Arial Bold"/>
-              </a:rPr>
-              <a:t>trình</a:t>
-            </a:r>
-            <a:r>
-              <a:rPr lang="en-US" sz="2500" b="1" dirty="0">
-                <a:solidFill>
-                  <a:srgbClr val="E5645E"/>
-                </a:solidFill>
-                <a:latin typeface="Arial Bold"/>
-                <a:ea typeface="Arial Bold"/>
-                <a:cs typeface="Arial Bold"/>
-                <a:sym typeface="Arial Bold"/>
-              </a:rPr>
-              <a:t> web</a:t>
-            </a:r>
+              <a:t>web.</a:t>
+            </a:r>
+            <a:endParaRPr lang="en-US" sz="2500" b="1" dirty="0">
+              <a:solidFill>
+                <a:srgbClr val="E5645E"/>
+              </a:solidFill>
+              <a:latin typeface="Arial Bold"/>
+              <a:ea typeface="Arial Bold"/>
+              <a:cs typeface="Arial Bold"/>
+              <a:sym typeface="Arial Bold"/>
+            </a:endParaRPr>
           </a:p>
         </p:txBody>
       </p:sp>
@@ -4717,8 +4702,29 @@
                 <a:cs typeface="Arial Bold"/>
                 <a:sym typeface="Arial Bold"/>
               </a:rPr>
-              <a:t> team- work</a:t>
-            </a:r>
+              <a:t> team- </a:t>
+            </a:r>
+            <a:r>
+              <a:rPr lang="vi-VN" sz="2500" b="1" dirty="0">
+                <a:solidFill>
+                  <a:srgbClr val="E5645E"/>
+                </a:solidFill>
+                <a:latin typeface="Arial Bold"/>
+                <a:ea typeface="Arial Bold"/>
+                <a:cs typeface="Arial Bold"/>
+                <a:sym typeface="Arial Bold"/>
+              </a:rPr>
+              <a:t>work.</a:t>
+            </a:r>
+            <a:endParaRPr lang="en-US" sz="2500" b="1" dirty="0">
+              <a:solidFill>
+                <a:srgbClr val="E5645E"/>
+              </a:solidFill>
+              <a:latin typeface="Arial Bold"/>
+              <a:ea typeface="Arial Bold"/>
+              <a:cs typeface="Arial Bold"/>
+              <a:sym typeface="Arial Bold"/>
+            </a:endParaRPr>
           </a:p>
         </p:txBody>
       </p:sp>
@@ -4946,7 +4952,7 @@
               <a:t> </a:t>
             </a:r>
             <a:r>
-              <a:rPr lang="en-US" sz="2500" b="1" dirty="0" err="1">
+              <a:rPr lang="vi-VN" sz="2500" b="1" dirty="0">
                 <a:solidFill>
                   <a:srgbClr val="E5645E"/>
                 </a:solidFill>
@@ -4955,7 +4961,7 @@
                 <a:cs typeface="Arial Bold"/>
                 <a:sym typeface="Arial Bold"/>
               </a:rPr>
-              <a:t>bản</a:t>
+              <a:t>bản.</a:t>
             </a:r>
             <a:endParaRPr lang="en-US" sz="2500" b="1" dirty="0">
               <a:solidFill>
@@ -5217,7 +5223,7 @@
               <a:t> </a:t>
             </a:r>
             <a:r>
-              <a:rPr lang="en-US" sz="2500" b="1" dirty="0" err="1">
+              <a:rPr lang="vi-VN" sz="2500" b="1" dirty="0">
                 <a:solidFill>
                   <a:srgbClr val="E5645E"/>
                 </a:solidFill>
@@ -5226,7 +5232,7 @@
                 <a:cs typeface="Arial Bold"/>
                 <a:sym typeface="Arial Bold"/>
               </a:rPr>
-              <a:t>án</a:t>
+              <a:t>án.</a:t>
             </a:r>
             <a:endParaRPr lang="en-US" sz="2500" b="1" dirty="0">
               <a:solidFill>
@@ -5356,7 +5362,7 @@
               <a:t>đã</a:t>
             </a:r>
             <a:r>
-              <a:rPr lang="en-US" sz="2500" b="1" dirty="0">
+              <a:rPr lang="vi-VN" sz="2500" b="1" dirty="0">
                 <a:solidFill>
                   <a:srgbClr val="E5645E"/>
                 </a:solidFill>
@@ -5365,10 +5371,10 @@
                 <a:cs typeface="Arial Bold"/>
                 <a:sym typeface="Arial Bold"/>
               </a:rPr>
-              <a:t> </a:t>
-            </a:r>
-            <a:r>
-              <a:rPr lang="en-US" sz="2500" b="1" dirty="0" err="1">
+              <a:t> được</a:t>
+            </a:r>
+            <a:r>
+              <a:rPr lang="en-US" sz="2500" b="1" dirty="0">
                 <a:solidFill>
                   <a:srgbClr val="E5645E"/>
                 </a:solidFill>
@@ -5377,10 +5383,10 @@
                 <a:cs typeface="Arial Bold"/>
                 <a:sym typeface="Arial Bold"/>
               </a:rPr>
-              <a:t>học</a:t>
-            </a:r>
-            <a:r>
-              <a:rPr lang="en-US" sz="2500" b="1" dirty="0">
+              <a:t> </a:t>
+            </a:r>
+            <a:r>
+              <a:rPr lang="en-US" sz="2500" b="1" dirty="0" err="1">
                 <a:solidFill>
                   <a:srgbClr val="E5645E"/>
                 </a:solidFill>
@@ -5389,10 +5395,10 @@
                 <a:cs typeface="Arial Bold"/>
                 <a:sym typeface="Arial Bold"/>
               </a:rPr>
-              <a:t> </a:t>
-            </a:r>
-            <a:r>
-              <a:rPr lang="en-US" sz="2500" b="1" dirty="0" err="1">
+              <a:t>học</a:t>
+            </a:r>
+            <a:r>
+              <a:rPr lang="vi-VN" sz="2500" b="1" dirty="0">
                 <a:solidFill>
                   <a:srgbClr val="E5645E"/>
                 </a:solidFill>
@@ -5401,7 +5407,7 @@
                 <a:cs typeface="Arial Bold"/>
                 <a:sym typeface="Arial Bold"/>
               </a:rPr>
-              <a:t>được</a:t>
+              <a:t>.</a:t>
             </a:r>
             <a:endParaRPr lang="en-US" sz="2500" b="1" dirty="0">
               <a:solidFill>
@@ -5500,7 +5506,7 @@
         </p:nvGrpSpPr>
         <p:grpSpPr>
           <a:xfrm>
-            <a:off x="2308025" y="656615"/>
+            <a:off x="2308025" y="650379"/>
             <a:ext cx="13671950" cy="8973771"/>
             <a:chOff x="0" y="0"/>
             <a:chExt cx="18229267" cy="11965028"/>
@@ -5676,7 +5682,7 @@
         </p:nvGrpSpPr>
         <p:grpSpPr>
           <a:xfrm>
-            <a:off x="12419695" y="2614460"/>
+            <a:off x="13716000" y="2642621"/>
             <a:ext cx="5320365" cy="5321429"/>
             <a:chOff x="0" y="0"/>
             <a:chExt cx="6348730" cy="6350000"/>
@@ -6438,8 +6444,8 @@
         </p:nvSpPr>
         <p:spPr>
           <a:xfrm>
-            <a:off x="2308024" y="5664441"/>
-            <a:ext cx="9960175" cy="1077218"/>
+            <a:off x="3120925" y="5592344"/>
+            <a:ext cx="10475343" cy="1077218"/>
           </a:xfrm>
           <a:prstGeom prst="rect">
             <a:avLst/>
@@ -6496,7 +6502,7 @@
               <a:t> </a:t>
             </a:r>
             <a:r>
-              <a:rPr lang="en-US" sz="7000" b="1" dirty="0" err="1">
+              <a:rPr lang="vi-VN" sz="7000" b="1" dirty="0">
                 <a:solidFill>
                   <a:srgbClr val="E5645E"/>
                 </a:solidFill>
@@ -6505,55 +6511,7 @@
                 <a:cs typeface="Arial" panose="020B0604020202020204" pitchFamily="34" charset="0"/>
                 <a:sym typeface="Saira Bold"/>
               </a:rPr>
-              <a:t>ơn</a:t>
-            </a:r>
-            <a:r>
-              <a:rPr lang="en-US" sz="7000" b="1" dirty="0">
-                <a:solidFill>
-                  <a:srgbClr val="E5645E"/>
-                </a:solidFill>
-                <a:latin typeface="Arial" panose="020B0604020202020204" pitchFamily="34" charset="0"/>
-                <a:ea typeface="Saira Bold"/>
-                <a:cs typeface="Arial" panose="020B0604020202020204" pitchFamily="34" charset="0"/>
-                <a:sym typeface="Saira Bold"/>
-              </a:rPr>
-              <a:t> </a:t>
-            </a:r>
-            <a:r>
-              <a:rPr lang="en-US" sz="7000" b="1" dirty="0" err="1">
-                <a:solidFill>
-                  <a:srgbClr val="E5645E"/>
-                </a:solidFill>
-                <a:latin typeface="Arial" panose="020B0604020202020204" pitchFamily="34" charset="0"/>
-                <a:ea typeface="Saira Bold"/>
-                <a:cs typeface="Arial" panose="020B0604020202020204" pitchFamily="34" charset="0"/>
-                <a:sym typeface="Saira Bold"/>
-              </a:rPr>
-              <a:t>mọi</a:t>
-            </a:r>
-            <a:r>
-              <a:rPr lang="en-US" sz="7000" b="1" dirty="0">
-                <a:solidFill>
-                  <a:srgbClr val="E5645E"/>
-                </a:solidFill>
-                <a:latin typeface="Arial" panose="020B0604020202020204" pitchFamily="34" charset="0"/>
-                <a:ea typeface="Saira Bold"/>
-                <a:cs typeface="Arial" panose="020B0604020202020204" pitchFamily="34" charset="0"/>
-                <a:sym typeface="Saira Bold"/>
-              </a:rPr>
-              <a:t> </a:t>
-            </a:r>
-            <a:r>
-              <a:rPr lang="en-US" sz="7000" b="1" dirty="0" err="1">
-                <a:solidFill>
-                  <a:srgbClr val="E5645E"/>
-                </a:solidFill>
-                <a:latin typeface="Arial" panose="020B0604020202020204" pitchFamily="34" charset="0"/>
-                <a:ea typeface="Saira Bold"/>
-                <a:cs typeface="Arial" panose="020B0604020202020204" pitchFamily="34" charset="0"/>
-                <a:sym typeface="Saira Bold"/>
-              </a:rPr>
-              <a:t>người</a:t>
+              <a:t>ơn đã theo dõi</a:t>
             </a:r>
             <a:r>
               <a:rPr lang="en-US" sz="7000" b="1" dirty="0">
@@ -8800,19 +8758,19 @@
         <p:spPr>
           <a:xfrm>
             <a:off x="2766570" y="5871623"/>
-            <a:ext cx="9947564" cy="561975"/>
+            <a:ext cx="11178030" cy="538609"/>
           </a:xfrm>
           <a:prstGeom prst="rect">
             <a:avLst/>
           </a:prstGeom>
         </p:spPr>
         <p:txBody>
-          <a:bodyPr lIns="0" tIns="0" rIns="0" bIns="0" rtlCol="0" anchor="t">
+          <a:bodyPr wrap="square" lIns="0" tIns="0" rIns="0" bIns="0" rtlCol="0" anchor="t">
             <a:spAutoFit/>
           </a:bodyPr>
           <a:lstStyle/>
           <a:p>
-            <a:pPr algn="ctr">
+            <a:pPr>
               <a:lnSpc>
                 <a:spcPts val="4200"/>
               </a:lnSpc>
@@ -8821,7 +8779,7 @@
               </a:spcBef>
             </a:pPr>
             <a:r>
-              <a:rPr lang="en-US" sz="3500">
+              <a:rPr lang="en-US" sz="3500" dirty="0">
                 <a:solidFill>
                   <a:srgbClr val="E5645E"/>
                 </a:solidFill>
@@ -8830,8 +8788,125 @@
                 <a:cs typeface="Arial"/>
                 <a:sym typeface="Arial"/>
               </a:rPr>
-              <a:t>• Đối tượng sử dụng: Khách hàng và Quản trị viên</a:t>
-            </a:r>
+              <a:t>• </a:t>
+            </a:r>
+            <a:r>
+              <a:rPr lang="en-US" sz="3500" dirty="0" err="1">
+                <a:solidFill>
+                  <a:srgbClr val="E5645E"/>
+                </a:solidFill>
+                <a:latin typeface="Arial"/>
+                <a:ea typeface="Arial"/>
+                <a:cs typeface="Arial"/>
+                <a:sym typeface="Arial"/>
+              </a:rPr>
+              <a:t>Đối</a:t>
+            </a:r>
+            <a:r>
+              <a:rPr lang="en-US" sz="3500" dirty="0">
+                <a:solidFill>
+                  <a:srgbClr val="E5645E"/>
+                </a:solidFill>
+                <a:latin typeface="Arial"/>
+                <a:ea typeface="Arial"/>
+                <a:cs typeface="Arial"/>
+                <a:sym typeface="Arial"/>
+              </a:rPr>
+              <a:t> </a:t>
+            </a:r>
+            <a:r>
+              <a:rPr lang="en-US" sz="3500" dirty="0" err="1">
+                <a:solidFill>
+                  <a:srgbClr val="E5645E"/>
+                </a:solidFill>
+                <a:latin typeface="Arial"/>
+                <a:ea typeface="Arial"/>
+                <a:cs typeface="Arial"/>
+                <a:sym typeface="Arial"/>
+              </a:rPr>
+              <a:t>tượng</a:t>
+            </a:r>
+            <a:r>
+              <a:rPr lang="en-US" sz="3500" dirty="0">
+                <a:solidFill>
+                  <a:srgbClr val="E5645E"/>
+                </a:solidFill>
+                <a:latin typeface="Arial"/>
+                <a:ea typeface="Arial"/>
+                <a:cs typeface="Arial"/>
+                <a:sym typeface="Arial"/>
+              </a:rPr>
+              <a:t> </a:t>
+            </a:r>
+            <a:r>
+              <a:rPr lang="en-US" sz="3500" dirty="0" err="1">
+                <a:solidFill>
+                  <a:srgbClr val="E5645E"/>
+                </a:solidFill>
+                <a:latin typeface="Arial"/>
+                <a:ea typeface="Arial"/>
+                <a:cs typeface="Arial"/>
+                <a:sym typeface="Arial"/>
+              </a:rPr>
+              <a:t>sử</a:t>
+            </a:r>
+            <a:r>
+              <a:rPr lang="en-US" sz="3500" dirty="0">
+                <a:solidFill>
+                  <a:srgbClr val="E5645E"/>
+                </a:solidFill>
+                <a:latin typeface="Arial"/>
+                <a:ea typeface="Arial"/>
+                <a:cs typeface="Arial"/>
+                <a:sym typeface="Arial"/>
+              </a:rPr>
+              <a:t> </a:t>
+            </a:r>
+            <a:r>
+              <a:rPr lang="en-US" sz="3500" dirty="0" err="1">
+                <a:solidFill>
+                  <a:srgbClr val="E5645E"/>
+                </a:solidFill>
+                <a:latin typeface="Arial"/>
+                <a:ea typeface="Arial"/>
+                <a:cs typeface="Arial"/>
+                <a:sym typeface="Arial"/>
+              </a:rPr>
+              <a:t>dụng</a:t>
+            </a:r>
+            <a:r>
+              <a:rPr lang="en-US" sz="3500" dirty="0">
+                <a:solidFill>
+                  <a:srgbClr val="E5645E"/>
+                </a:solidFill>
+                <a:latin typeface="Arial"/>
+                <a:ea typeface="Arial"/>
+                <a:cs typeface="Arial"/>
+                <a:sym typeface="Arial"/>
+              </a:rPr>
+              <a:t>: </a:t>
+            </a:r>
+            <a:r>
+              <a:rPr lang="vi-VN" sz="3500" dirty="0">
+                <a:solidFill>
+                  <a:srgbClr val="E5645E"/>
+                </a:solidFill>
+                <a:latin typeface="Arial"/>
+                <a:ea typeface="Arial"/>
+                <a:cs typeface="Arial"/>
+                <a:sym typeface="Arial"/>
+              </a:rPr>
+              <a:t>Khách hàng đến với Long Phúc</a:t>
+            </a:r>
+            <a:endParaRPr lang="en-US" sz="3500" dirty="0">
+              <a:solidFill>
+                <a:srgbClr val="E5645E"/>
+              </a:solidFill>
+              <a:latin typeface="Arial"/>
+              <a:ea typeface="Arial"/>
+              <a:cs typeface="Arial"/>
+              <a:sym typeface="Arial"/>
+            </a:endParaRPr>
           </a:p>
         </p:txBody>
       </p:sp>
@@ -12309,7 +12384,7 @@
           <p:nvPr>
             <p:extLst>
               <p:ext uri="{D42A27DB-BD31-4B8C-83A1-F6EECF244321}">
-                <p14:modId xmlns:p14="http://schemas.microsoft.com/office/powerpoint/2010/main" val="2786211496"/>
+                <p14:modId xmlns:p14="http://schemas.microsoft.com/office/powerpoint/2010/main" val="338472641"/>
               </p:ext>
             </p:extLst>
           </p:nvPr>
@@ -12850,7 +12925,7 @@
                         <a:t> </a:t>
                       </a:r>
                       <a:r>
-                        <a:rPr lang="en-US" sz="2400" b="1" dirty="0" err="1">
+                        <a:rPr lang="vi-VN" sz="2400" b="1" dirty="0">
                           <a:solidFill>
                             <a:srgbClr val="E5645E"/>
                           </a:solidFill>
@@ -12858,51 +12933,7 @@
                           <a:latin typeface="Arial" panose="020B0604020202020204" pitchFamily="34" charset="0"/>
                           <a:cs typeface="Arial" panose="020B0604020202020204" pitchFamily="34" charset="0"/>
                         </a:rPr>
-                        <a:t>lý</a:t>
-                      </a:r>
-                      <a:r>
-                        <a:rPr lang="en-US" sz="2400" b="1" dirty="0">
-                          <a:solidFill>
-                            <a:srgbClr val="E5645E"/>
-                          </a:solidFill>
-                          <a:effectLst/>
-                          <a:latin typeface="Arial" panose="020B0604020202020204" pitchFamily="34" charset="0"/>
-                          <a:cs typeface="Arial" panose="020B0604020202020204" pitchFamily="34" charset="0"/>
-                        </a:rPr>
-                        <a:t> </a:t>
-                      </a:r>
-                      <a:r>
-                        <a:rPr lang="en-US" sz="2400" b="1" dirty="0" err="1">
-                          <a:solidFill>
-                            <a:srgbClr val="E5645E"/>
-                          </a:solidFill>
-                          <a:effectLst/>
-                          <a:latin typeface="Arial" panose="020B0604020202020204" pitchFamily="34" charset="0"/>
-                          <a:cs typeface="Arial" panose="020B0604020202020204" pitchFamily="34" charset="0"/>
-                        </a:rPr>
-                        <a:t>đăng</a:t>
-                      </a:r>
-                      <a:r>
-                        <a:rPr lang="en-US" sz="2400" b="1" dirty="0">
-                          <a:solidFill>
-                            <a:srgbClr val="E5645E"/>
-                          </a:solidFill>
-                          <a:effectLst/>
-                          <a:latin typeface="Arial" panose="020B0604020202020204" pitchFamily="34" charset="0"/>
-                          <a:cs typeface="Arial" panose="020B0604020202020204" pitchFamily="34" charset="0"/>
-                        </a:rPr>
-                        <a:t> </a:t>
-                      </a:r>
-                      <a:r>
-                        <a:rPr lang="en-US" sz="2400" b="1" dirty="0" err="1">
-                          <a:solidFill>
-                            <a:srgbClr val="E5645E"/>
-                          </a:solidFill>
-                          <a:effectLst/>
-                          <a:latin typeface="Arial" panose="020B0604020202020204" pitchFamily="34" charset="0"/>
-                          <a:cs typeface="Arial" panose="020B0604020202020204" pitchFamily="34" charset="0"/>
-                        </a:rPr>
-                        <a:t>nhập</a:t>
+                        <a:t>lýlogin</a:t>
                       </a:r>
                       <a:r>
                         <a:rPr lang="en-US" sz="2400" b="1" dirty="0">
@@ -12914,160 +12945,6 @@
                           <a:cs typeface="Arial" panose="020B0604020202020204" pitchFamily="34" charset="0"/>
                         </a:rPr>
                         <a:t>; </a:t>
-                      </a:r>
-                      <a:r>
-                        <a:rPr lang="en-US" sz="2400" b="1" dirty="0" err="1">
-                          <a:solidFill>
-                            <a:srgbClr val="E5645E"/>
-                          </a:solidFill>
-                          <a:effectLst/>
-                          <a:latin typeface="Arial" panose="020B0604020202020204" pitchFamily="34" charset="0"/>
-                          <a:cs typeface="Arial" panose="020B0604020202020204" pitchFamily="34" charset="0"/>
-                        </a:rPr>
-                        <a:t>kết</a:t>
-                      </a:r>
-                      <a:r>
-                        <a:rPr lang="en-US" sz="2400" b="1" dirty="0">
-                          <a:solidFill>
-                            <a:srgbClr val="E5645E"/>
-                          </a:solidFill>
-                          <a:effectLst/>
-                          <a:latin typeface="Arial" panose="020B0604020202020204" pitchFamily="34" charset="0"/>
-                          <a:cs typeface="Arial" panose="020B0604020202020204" pitchFamily="34" charset="0"/>
-                        </a:rPr>
-                        <a:t> </a:t>
-                      </a:r>
-                      <a:r>
-                        <a:rPr lang="en-US" sz="2400" b="1" dirty="0" err="1">
-                          <a:solidFill>
-                            <a:srgbClr val="E5645E"/>
-                          </a:solidFill>
-                          <a:effectLst/>
-                          <a:latin typeface="Arial" panose="020B0604020202020204" pitchFamily="34" charset="0"/>
-                          <a:cs typeface="Arial" panose="020B0604020202020204" pitchFamily="34" charset="0"/>
-                        </a:rPr>
-                        <a:t>nối</a:t>
-                      </a:r>
-                      <a:r>
-                        <a:rPr lang="en-US" sz="2400" b="1" dirty="0">
-                          <a:solidFill>
-                            <a:srgbClr val="E5645E"/>
-                          </a:solidFill>
-                          <a:effectLst/>
-                          <a:latin typeface="Arial" panose="020B0604020202020204" pitchFamily="34" charset="0"/>
-                          <a:cs typeface="Arial" panose="020B0604020202020204" pitchFamily="34" charset="0"/>
-                        </a:rPr>
-                        <a:t> database, </a:t>
-                      </a:r>
-                      <a:r>
-                        <a:rPr lang="en-US" sz="2400" b="1" dirty="0" err="1">
-                          <a:solidFill>
-                            <a:srgbClr val="E5645E"/>
-                          </a:solidFill>
-                          <a:effectLst/>
-                          <a:latin typeface="Arial" panose="020B0604020202020204" pitchFamily="34" charset="0"/>
-                          <a:cs typeface="Arial" panose="020B0604020202020204" pitchFamily="34" charset="0"/>
-                        </a:rPr>
-                        <a:t>hiển</a:t>
-                      </a:r>
-                      <a:r>
-                        <a:rPr lang="en-US" sz="2400" b="1" dirty="0">
-                          <a:solidFill>
-                            <a:srgbClr val="E5645E"/>
-                          </a:solidFill>
-                          <a:effectLst/>
-                          <a:latin typeface="Arial" panose="020B0604020202020204" pitchFamily="34" charset="0"/>
-                          <a:cs typeface="Arial" panose="020B0604020202020204" pitchFamily="34" charset="0"/>
-                        </a:rPr>
-                        <a:t> </a:t>
-                      </a:r>
-                      <a:r>
-                        <a:rPr lang="en-US" sz="2400" b="1" dirty="0" err="1">
-                          <a:solidFill>
-                            <a:srgbClr val="E5645E"/>
-                          </a:solidFill>
-                          <a:effectLst/>
-                          <a:latin typeface="Arial" panose="020B0604020202020204" pitchFamily="34" charset="0"/>
-                          <a:cs typeface="Arial" panose="020B0604020202020204" pitchFamily="34" charset="0"/>
-                        </a:rPr>
-                        <a:t>thị</a:t>
-                      </a:r>
-                      <a:r>
-                        <a:rPr lang="en-US" sz="2400" b="1" dirty="0">
-                          <a:solidFill>
-                            <a:srgbClr val="E5645E"/>
-                          </a:solidFill>
-                          <a:effectLst/>
-                          <a:latin typeface="Arial" panose="020B0604020202020204" pitchFamily="34" charset="0"/>
-                          <a:cs typeface="Arial" panose="020B0604020202020204" pitchFamily="34" charset="0"/>
-                        </a:rPr>
-                        <a:t> </a:t>
-                      </a:r>
-                      <a:r>
-                        <a:rPr lang="en-US" sz="2400" b="1" dirty="0" err="1">
-                          <a:solidFill>
-                            <a:srgbClr val="E5645E"/>
-                          </a:solidFill>
-                          <a:effectLst/>
-                          <a:latin typeface="Arial" panose="020B0604020202020204" pitchFamily="34" charset="0"/>
-                          <a:cs typeface="Arial" panose="020B0604020202020204" pitchFamily="34" charset="0"/>
-                        </a:rPr>
-                        <a:t>danh</a:t>
-                      </a:r>
-                      <a:r>
-                        <a:rPr lang="en-US" sz="2400" b="1" dirty="0">
-                          <a:solidFill>
-                            <a:srgbClr val="E5645E"/>
-                          </a:solidFill>
-                          <a:effectLst/>
-                          <a:latin typeface="Arial" panose="020B0604020202020204" pitchFamily="34" charset="0"/>
-                          <a:cs typeface="Arial" panose="020B0604020202020204" pitchFamily="34" charset="0"/>
-                        </a:rPr>
-                        <a:t> </a:t>
-                      </a:r>
-                      <a:r>
-                        <a:rPr lang="en-US" sz="2400" b="1" dirty="0" err="1">
-                          <a:solidFill>
-                            <a:srgbClr val="E5645E"/>
-                          </a:solidFill>
-                          <a:effectLst/>
-                          <a:latin typeface="Arial" panose="020B0604020202020204" pitchFamily="34" charset="0"/>
-                          <a:cs typeface="Arial" panose="020B0604020202020204" pitchFamily="34" charset="0"/>
-                        </a:rPr>
-                        <a:t>sách</a:t>
-                      </a:r>
-                      <a:r>
-                        <a:rPr lang="en-US" sz="2400" b="1" dirty="0">
-                          <a:solidFill>
-                            <a:srgbClr val="E5645E"/>
-                          </a:solidFill>
-                          <a:effectLst/>
-                          <a:latin typeface="Arial" panose="020B0604020202020204" pitchFamily="34" charset="0"/>
-                          <a:cs typeface="Arial" panose="020B0604020202020204" pitchFamily="34" charset="0"/>
-                        </a:rPr>
-                        <a:t> tour, chi </a:t>
-                      </a:r>
-                      <a:r>
-                        <a:rPr lang="en-US" sz="2400" b="1" dirty="0" err="1">
-                          <a:solidFill>
-                            <a:srgbClr val="E5645E"/>
-                          </a:solidFill>
-                          <a:effectLst/>
-                          <a:latin typeface="Arial" panose="020B0604020202020204" pitchFamily="34" charset="0"/>
-                          <a:cs typeface="Arial" panose="020B0604020202020204" pitchFamily="34" charset="0"/>
-                        </a:rPr>
-                        <a:t>tiết</a:t>
-                      </a:r>
-                      <a:r>
-                        <a:rPr lang="en-US" sz="2400" b="1" dirty="0">
-                          <a:solidFill>
-                            <a:srgbClr val="E5645E"/>
-                          </a:solidFill>
-                          <a:effectLst/>
-                          <a:latin typeface="Arial" panose="020B0604020202020204" pitchFamily="34" charset="0"/>
-                          <a:cs typeface="Arial" panose="020B0604020202020204" pitchFamily="34" charset="0"/>
-                        </a:rPr>
-                        <a:t> tour; </a:t>
                       </a:r>
                       <a:r>
                         <a:rPr lang="en-US" sz="2400" b="1" dirty="0" err="1">
@@ -13111,8 +12988,27 @@
                           <a:latin typeface="Arial" panose="020B0604020202020204" pitchFamily="34" charset="0"/>
                           <a:cs typeface="Arial" panose="020B0604020202020204" pitchFamily="34" charset="0"/>
                         </a:rPr>
-                        <a:t> form.</a:t>
+                        <a:t> </a:t>
                       </a:r>
+                      <a:r>
+                        <a:rPr lang="vi-VN" sz="2400" b="1" dirty="0">
+                          <a:solidFill>
+                            <a:srgbClr val="E5645E"/>
+                          </a:solidFill>
+                          <a:effectLst/>
+                          <a:latin typeface="Arial" panose="020B0604020202020204" pitchFamily="34" charset="0"/>
+                          <a:cs typeface="Arial" panose="020B0604020202020204" pitchFamily="34" charset="0"/>
+                        </a:rPr>
+                        <a:t>form; tác vụ tour; OTP.</a:t>
+                      </a:r>
+                      <a:endParaRPr lang="en-US" sz="2400" b="1" dirty="0">
+                        <a:solidFill>
+                          <a:srgbClr val="E5645E"/>
+                        </a:solidFill>
+                        <a:effectLst/>
+                        <a:latin typeface="Arial" panose="020B0604020202020204" pitchFamily="34" charset="0"/>
+                        <a:cs typeface="Arial" panose="020B0604020202020204" pitchFamily="34" charset="0"/>
+                      </a:endParaRPr>
                     </a:p>
                   </a:txBody>
                   <a:tcPr marL="76719" marR="76719" marT="38360" marB="38360" anchor="ctr">
@@ -13494,95 +13390,7 @@
                           <a:latin typeface="Arial" panose="020B0604020202020204" pitchFamily="34" charset="0"/>
                           <a:cs typeface="Arial" panose="020B0604020202020204" pitchFamily="34" charset="0"/>
                         </a:rPr>
-                        <a:t> JSP, JSTL; </a:t>
-                      </a:r>
-                      <a:r>
-                        <a:rPr lang="en-US" sz="2400" b="1" dirty="0" err="1">
-                          <a:solidFill>
-                            <a:srgbClr val="E5645E"/>
-                          </a:solidFill>
-                          <a:effectLst/>
-                          <a:latin typeface="Arial" panose="020B0604020202020204" pitchFamily="34" charset="0"/>
-                          <a:cs typeface="Arial" panose="020B0604020202020204" pitchFamily="34" charset="0"/>
-                        </a:rPr>
-                        <a:t>Thiết</a:t>
-                      </a:r>
-                      <a:r>
-                        <a:rPr lang="en-US" sz="2400" b="1" dirty="0">
-                          <a:solidFill>
-                            <a:srgbClr val="E5645E"/>
-                          </a:solidFill>
-                          <a:effectLst/>
-                          <a:latin typeface="Arial" panose="020B0604020202020204" pitchFamily="34" charset="0"/>
-                          <a:cs typeface="Arial" panose="020B0604020202020204" pitchFamily="34" charset="0"/>
-                        </a:rPr>
-                        <a:t> </a:t>
-                      </a:r>
-                      <a:r>
-                        <a:rPr lang="en-US" sz="2400" b="1" dirty="0" err="1">
-                          <a:solidFill>
-                            <a:srgbClr val="E5645E"/>
-                          </a:solidFill>
-                          <a:effectLst/>
-                          <a:latin typeface="Arial" panose="020B0604020202020204" pitchFamily="34" charset="0"/>
-                          <a:cs typeface="Arial" panose="020B0604020202020204" pitchFamily="34" charset="0"/>
-                        </a:rPr>
-                        <a:t>kế</a:t>
-                      </a:r>
-                      <a:r>
-                        <a:rPr lang="en-US" sz="2400" b="1" dirty="0">
-                          <a:solidFill>
-                            <a:srgbClr val="E5645E"/>
-                          </a:solidFill>
-                          <a:effectLst/>
-                          <a:latin typeface="Arial" panose="020B0604020202020204" pitchFamily="34" charset="0"/>
-                          <a:cs typeface="Arial" panose="020B0604020202020204" pitchFamily="34" charset="0"/>
-                        </a:rPr>
-                        <a:t> </a:t>
-                      </a:r>
-                      <a:r>
-                        <a:rPr lang="en-US" sz="2400" b="1" dirty="0" err="1">
-                          <a:solidFill>
-                            <a:srgbClr val="E5645E"/>
-                          </a:solidFill>
-                          <a:effectLst/>
-                          <a:latin typeface="Arial" panose="020B0604020202020204" pitchFamily="34" charset="0"/>
-                          <a:cs typeface="Arial" panose="020B0604020202020204" pitchFamily="34" charset="0"/>
-                        </a:rPr>
-                        <a:t>giao</a:t>
-                      </a:r>
-                      <a:r>
-                        <a:rPr lang="en-US" sz="2400" b="1" dirty="0">
-                          <a:solidFill>
-                            <a:srgbClr val="E5645E"/>
-                          </a:solidFill>
-                          <a:effectLst/>
-                          <a:latin typeface="Arial" panose="020B0604020202020204" pitchFamily="34" charset="0"/>
-                          <a:cs typeface="Arial" panose="020B0604020202020204" pitchFamily="34" charset="0"/>
-                        </a:rPr>
-                        <a:t> </a:t>
-                      </a:r>
-                      <a:r>
-                        <a:rPr lang="en-US" sz="2400" b="1" dirty="0" err="1">
-                          <a:solidFill>
-                            <a:srgbClr val="E5645E"/>
-                          </a:solidFill>
-                          <a:effectLst/>
-                          <a:latin typeface="Arial" panose="020B0604020202020204" pitchFamily="34" charset="0"/>
-                          <a:cs typeface="Arial" panose="020B0604020202020204" pitchFamily="34" charset="0"/>
-                        </a:rPr>
-                        <a:t>diện</a:t>
-                      </a:r>
-                      <a:r>
-                        <a:rPr lang="en-US" sz="2400" b="1" dirty="0">
-                          <a:solidFill>
-                            <a:srgbClr val="E5645E"/>
-                          </a:solidFill>
-                          <a:effectLst/>
-                          <a:latin typeface="Arial" panose="020B0604020202020204" pitchFamily="34" charset="0"/>
-                          <a:cs typeface="Arial" panose="020B0604020202020204" pitchFamily="34" charset="0"/>
-                        </a:rPr>
-                        <a:t> HTML/CSS</a:t>
+                        <a:t> JSP, JSTL;</a:t>
                       </a:r>
                     </a:p>
                   </a:txBody>
